--- a/experiments/3L/outline.pptx
+++ b/experiments/3L/outline.pptx
@@ -6,6 +6,7 @@
   </p:sldMasterIdLst>
   <p:sldIdLst>
     <p:sldId id="258" r:id="rId2"/>
+    <p:sldId id="259" r:id="rId3"/>
   </p:sldIdLst>
   <p:sldSz cx="6858000" cy="9906000" type="A4"/>
   <p:notesSz cx="6858000" cy="9144000"/>
@@ -243,7 +244,7 @@
           <a:p>
             <a:fld id="{A704CFD8-C0A2-834A-A1E8-36B67B3C3B58}" type="datetimeFigureOut">
               <a:rPr kumimoji="1" lang="ja-JP" altLang="en-US" smtClean="0"/>
-              <a:t>2020/12/3</a:t>
+              <a:t>2020/12/7</a:t>
             </a:fld>
             <a:endParaRPr kumimoji="1" lang="ja-JP" altLang="en-US"/>
           </a:p>
@@ -445,7 +446,7 @@
           <a:p>
             <a:fld id="{A704CFD8-C0A2-834A-A1E8-36B67B3C3B58}" type="datetimeFigureOut">
               <a:rPr kumimoji="1" lang="ja-JP" altLang="en-US" smtClean="0"/>
-              <a:t>2020/12/3</a:t>
+              <a:t>2020/12/7</a:t>
             </a:fld>
             <a:endParaRPr kumimoji="1" lang="ja-JP" altLang="en-US"/>
           </a:p>
@@ -657,7 +658,7 @@
           <a:p>
             <a:fld id="{A704CFD8-C0A2-834A-A1E8-36B67B3C3B58}" type="datetimeFigureOut">
               <a:rPr kumimoji="1" lang="ja-JP" altLang="en-US" smtClean="0"/>
-              <a:t>2020/12/3</a:t>
+              <a:t>2020/12/7</a:t>
             </a:fld>
             <a:endParaRPr kumimoji="1" lang="ja-JP" altLang="en-US"/>
           </a:p>
@@ -859,7 +860,7 @@
           <a:p>
             <a:fld id="{A704CFD8-C0A2-834A-A1E8-36B67B3C3B58}" type="datetimeFigureOut">
               <a:rPr kumimoji="1" lang="ja-JP" altLang="en-US" smtClean="0"/>
-              <a:t>2020/12/3</a:t>
+              <a:t>2020/12/7</a:t>
             </a:fld>
             <a:endParaRPr kumimoji="1" lang="ja-JP" altLang="en-US"/>
           </a:p>
@@ -1103,7 +1104,7 @@
           <a:p>
             <a:fld id="{A704CFD8-C0A2-834A-A1E8-36B67B3C3B58}" type="datetimeFigureOut">
               <a:rPr kumimoji="1" lang="ja-JP" altLang="en-US" smtClean="0"/>
-              <a:t>2020/12/3</a:t>
+              <a:t>2020/12/7</a:t>
             </a:fld>
             <a:endParaRPr kumimoji="1" lang="ja-JP" altLang="en-US"/>
           </a:p>
@@ -1399,7 +1400,7 @@
           <a:p>
             <a:fld id="{A704CFD8-C0A2-834A-A1E8-36B67B3C3B58}" type="datetimeFigureOut">
               <a:rPr kumimoji="1" lang="ja-JP" altLang="en-US" smtClean="0"/>
-              <a:t>2020/12/3</a:t>
+              <a:t>2020/12/7</a:t>
             </a:fld>
             <a:endParaRPr kumimoji="1" lang="ja-JP" altLang="en-US"/>
           </a:p>
@@ -1830,7 +1831,7 @@
           <a:p>
             <a:fld id="{A704CFD8-C0A2-834A-A1E8-36B67B3C3B58}" type="datetimeFigureOut">
               <a:rPr kumimoji="1" lang="ja-JP" altLang="en-US" smtClean="0"/>
-              <a:t>2020/12/3</a:t>
+              <a:t>2020/12/7</a:t>
             </a:fld>
             <a:endParaRPr kumimoji="1" lang="ja-JP" altLang="en-US"/>
           </a:p>
@@ -1948,7 +1949,7 @@
           <a:p>
             <a:fld id="{A704CFD8-C0A2-834A-A1E8-36B67B3C3B58}" type="datetimeFigureOut">
               <a:rPr kumimoji="1" lang="ja-JP" altLang="en-US" smtClean="0"/>
-              <a:t>2020/12/3</a:t>
+              <a:t>2020/12/7</a:t>
             </a:fld>
             <a:endParaRPr kumimoji="1" lang="ja-JP" altLang="en-US"/>
           </a:p>
@@ -2043,7 +2044,7 @@
           <a:p>
             <a:fld id="{A704CFD8-C0A2-834A-A1E8-36B67B3C3B58}" type="datetimeFigureOut">
               <a:rPr kumimoji="1" lang="ja-JP" altLang="en-US" smtClean="0"/>
-              <a:t>2020/12/3</a:t>
+              <a:t>2020/12/7</a:t>
             </a:fld>
             <a:endParaRPr kumimoji="1" lang="ja-JP" altLang="en-US"/>
           </a:p>
@@ -2352,7 +2353,7 @@
           <a:p>
             <a:fld id="{A704CFD8-C0A2-834A-A1E8-36B67B3C3B58}" type="datetimeFigureOut">
               <a:rPr kumimoji="1" lang="ja-JP" altLang="en-US" smtClean="0"/>
-              <a:t>2020/12/3</a:t>
+              <a:t>2020/12/7</a:t>
             </a:fld>
             <a:endParaRPr kumimoji="1" lang="ja-JP" altLang="en-US"/>
           </a:p>
@@ -2609,7 +2610,7 @@
           <a:p>
             <a:fld id="{A704CFD8-C0A2-834A-A1E8-36B67B3C3B58}" type="datetimeFigureOut">
               <a:rPr kumimoji="1" lang="ja-JP" altLang="en-US" smtClean="0"/>
-              <a:t>2020/12/3</a:t>
+              <a:t>2020/12/7</a:t>
             </a:fld>
             <a:endParaRPr kumimoji="1" lang="ja-JP" altLang="en-US"/>
           </a:p>
@@ -2854,7 +2855,7 @@
           <a:p>
             <a:fld id="{A704CFD8-C0A2-834A-A1E8-36B67B3C3B58}" type="datetimeFigureOut">
               <a:rPr kumimoji="1" lang="ja-JP" altLang="en-US" smtClean="0"/>
-              <a:t>2020/12/3</a:t>
+              <a:t>2020/12/7</a:t>
             </a:fld>
             <a:endParaRPr kumimoji="1" lang="ja-JP" altLang="en-US"/>
           </a:p>
@@ -3445,11 +3446,11 @@
           <a:p>
             <a:r>
               <a:rPr kumimoji="1" lang="ja-JP" altLang="en-US"/>
-              <a:t>開始日時：</a:t>
+              <a:t>開始日：</a:t>
             </a:r>
             <a:r>
               <a:rPr kumimoji="1" lang="ja-JP" altLang="en-US" u="sng"/>
-              <a:t>　</a:t>
+              <a:t>　　</a:t>
             </a:r>
             <a:r>
               <a:rPr kumimoji="1" lang="ja-JP" altLang="en-US"/>
@@ -3468,11 +3469,11 @@
           <a:p>
             <a:r>
               <a:rPr kumimoji="1" lang="ja-JP" altLang="en-US"/>
-              <a:t>終了日時：</a:t>
+              <a:t>終了日：</a:t>
             </a:r>
             <a:r>
               <a:rPr kumimoji="1" lang="ja-JP" altLang="en-US" u="sng"/>
-              <a:t>　</a:t>
+              <a:t>　　</a:t>
             </a:r>
             <a:r>
               <a:rPr kumimoji="1" lang="ja-JP" altLang="en-US"/>
@@ -3701,6 +3702,202 @@
     <p:extLst>
       <p:ext uri="{BB962C8B-B14F-4D97-AF65-F5344CB8AC3E}">
         <p14:creationId xmlns:p14="http://schemas.microsoft.com/office/powerpoint/2010/main" val="2407354949"/>
+      </p:ext>
+    </p:extLst>
+  </p:cSld>
+  <p:clrMapOvr>
+    <a:masterClrMapping/>
+  </p:clrMapOvr>
+</p:sld>
+</file>
+
+<file path=ppt/slides/slide2.xml><?xml version="1.0" encoding="utf-8"?>
+<p:sld xmlns:a="http://schemas.openxmlformats.org/drawingml/2006/main" xmlns:r="http://schemas.openxmlformats.org/officeDocument/2006/relationships" xmlns:p="http://schemas.openxmlformats.org/presentationml/2006/main">
+  <p:cSld>
+    <p:spTree>
+      <p:nvGrpSpPr>
+        <p:cNvPr id="1" name=""/>
+        <p:cNvGrpSpPr/>
+        <p:nvPr/>
+      </p:nvGrpSpPr>
+      <p:grpSpPr>
+        <a:xfrm>
+          <a:off x="0" y="0"/>
+          <a:ext cx="0" cy="0"/>
+          <a:chOff x="0" y="0"/>
+          <a:chExt cx="0" cy="0"/>
+        </a:xfrm>
+      </p:grpSpPr>
+      <p:sp>
+        <p:nvSpPr>
+          <p:cNvPr id="2" name="タイトル 1">
+            <a:extLst>
+              <a:ext uri="{FF2B5EF4-FFF2-40B4-BE49-F238E27FC236}">
+                <a16:creationId xmlns:a16="http://schemas.microsoft.com/office/drawing/2014/main" id="{C74ADB8F-D135-4940-8155-2C896AD17F97}"/>
+              </a:ext>
+            </a:extLst>
+          </p:cNvPr>
+          <p:cNvSpPr>
+            <a:spLocks noGrp="1"/>
+          </p:cNvSpPr>
+          <p:nvPr>
+            <p:ph type="title"/>
+          </p:nvPr>
+        </p:nvSpPr>
+        <p:spPr/>
+        <p:txBody>
+          <a:bodyPr/>
+          <a:lstStyle/>
+          <a:p>
+            <a:r>
+              <a:rPr kumimoji="1" lang="ja-JP" altLang="en-US"/>
+              <a:t>設計</a:t>
+            </a:r>
+          </a:p>
+        </p:txBody>
+      </p:sp>
+      <p:sp>
+        <p:nvSpPr>
+          <p:cNvPr id="3" name="コンテンツ プレースホルダー 2">
+            <a:extLst>
+              <a:ext uri="{FF2B5EF4-FFF2-40B4-BE49-F238E27FC236}">
+                <a16:creationId xmlns:a16="http://schemas.microsoft.com/office/drawing/2014/main" id="{D8EBAD28-6D09-944A-B937-AC589BD7A8DE}"/>
+              </a:ext>
+            </a:extLst>
+          </p:cNvPr>
+          <p:cNvSpPr>
+            <a:spLocks noGrp="1"/>
+          </p:cNvSpPr>
+          <p:nvPr>
+            <p:ph idx="1"/>
+          </p:nvPr>
+        </p:nvSpPr>
+        <p:spPr/>
+        <p:txBody>
+          <a:bodyPr/>
+          <a:lstStyle/>
+          <a:p>
+            <a:r>
+              <a:rPr kumimoji="1" lang="ja-JP" altLang="en-US"/>
+              <a:t>前のループの</a:t>
+            </a:r>
+            <a:endParaRPr kumimoji="1" lang="en-US" altLang="ja-JP" dirty="0"/>
+          </a:p>
+          <a:p>
+            <a:pPr lvl="1"/>
+            <a:r>
+              <a:rPr lang="ja-JP" altLang="en-US"/>
+              <a:t>設計</a:t>
+            </a:r>
+            <a:endParaRPr lang="en-US" altLang="ja-JP" dirty="0"/>
+          </a:p>
+          <a:p>
+            <a:pPr lvl="1"/>
+            <a:r>
+              <a:rPr kumimoji="1" lang="ja-JP" altLang="en-US"/>
+              <a:t>評価</a:t>
+            </a:r>
+            <a:endParaRPr kumimoji="1" lang="en-US" altLang="ja-JP" dirty="0"/>
+          </a:p>
+          <a:p>
+            <a:pPr lvl="1"/>
+            <a:r>
+              <a:rPr lang="ja-JP" altLang="en-US"/>
+              <a:t>分析</a:t>
+            </a:r>
+            <a:endParaRPr lang="en-US" altLang="ja-JP" dirty="0"/>
+          </a:p>
+          <a:p>
+            <a:pPr marL="342900" lvl="1" indent="0">
+              <a:buNone/>
+            </a:pPr>
+            <a:r>
+              <a:rPr kumimoji="1" lang="en-US" altLang="ja-JP" dirty="0"/>
+              <a:t>		</a:t>
+            </a:r>
+            <a:r>
+              <a:rPr kumimoji="1" lang="ja-JP" altLang="en-US" sz="2000" b="1"/>
+              <a:t>を参考にして今ループでどのような</a:t>
+            </a:r>
+            <a:endParaRPr lang="en-US" altLang="ja-JP" sz="2000" b="1" dirty="0"/>
+          </a:p>
+          <a:p>
+            <a:pPr marL="342900" lvl="1" indent="0">
+              <a:buNone/>
+            </a:pPr>
+            <a:endParaRPr kumimoji="1" lang="en-US" altLang="ja-JP" sz="2000" b="1" dirty="0"/>
+          </a:p>
+          <a:p>
+            <a:pPr lvl="1"/>
+            <a:r>
+              <a:rPr kumimoji="1" lang="ja-JP" altLang="en-US"/>
+              <a:t>実験をしたいのか</a:t>
+            </a:r>
+            <a:r>
+              <a:rPr kumimoji="1" lang="en-US" altLang="ja-JP" dirty="0"/>
+              <a:t>[</a:t>
+            </a:r>
+            <a:r>
+              <a:rPr kumimoji="1" lang="ja-JP" altLang="en-US"/>
+              <a:t>要求定義</a:t>
+            </a:r>
+            <a:r>
+              <a:rPr lang="en-US" altLang="ja-JP" dirty="0"/>
+              <a:t>]</a:t>
+            </a:r>
+            <a:endParaRPr kumimoji="1" lang="en-US" altLang="ja-JP" dirty="0"/>
+          </a:p>
+          <a:p>
+            <a:pPr lvl="1"/>
+            <a:r>
+              <a:rPr kumimoji="1" lang="ja-JP" altLang="en-US"/>
+              <a:t>実験のために何が必要なのか</a:t>
+            </a:r>
+            <a:r>
+              <a:rPr kumimoji="1" lang="en-US" altLang="ja-JP" dirty="0"/>
+              <a:t>[</a:t>
+            </a:r>
+            <a:r>
+              <a:rPr kumimoji="1" lang="ja-JP" altLang="en-US"/>
+              <a:t>要件定義</a:t>
+            </a:r>
+            <a:r>
+              <a:rPr kumimoji="1" lang="en-US" altLang="ja-JP" dirty="0"/>
+              <a:t>]</a:t>
+            </a:r>
+          </a:p>
+          <a:p>
+            <a:pPr lvl="1"/>
+            <a:endParaRPr lang="en-US" altLang="ja-JP" dirty="0"/>
+          </a:p>
+          <a:p>
+            <a:pPr marL="342900" lvl="1" indent="0">
+              <a:buNone/>
+            </a:pPr>
+            <a:r>
+              <a:rPr kumimoji="1" lang="en-US" altLang="ja-JP" dirty="0"/>
+              <a:t>						</a:t>
+            </a:r>
+            <a:r>
+              <a:rPr kumimoji="1" lang="ja-JP" altLang="en-US" sz="2000" b="1"/>
+              <a:t>を設計する</a:t>
+            </a:r>
+            <a:endParaRPr kumimoji="1" lang="en-US" altLang="ja-JP" b="1" dirty="0"/>
+          </a:p>
+          <a:p>
+            <a:pPr lvl="1"/>
+            <a:endParaRPr kumimoji="1" lang="en-US" altLang="ja-JP" dirty="0"/>
+          </a:p>
+          <a:p>
+            <a:pPr lvl="1"/>
+            <a:endParaRPr kumimoji="1" lang="ja-JP" altLang="en-US"/>
+          </a:p>
+        </p:txBody>
+      </p:sp>
+    </p:spTree>
+    <p:extLst>
+      <p:ext uri="{BB962C8B-B14F-4D97-AF65-F5344CB8AC3E}">
+        <p14:creationId xmlns:p14="http://schemas.microsoft.com/office/powerpoint/2010/main" val="3084223840"/>
       </p:ext>
     </p:extLst>
   </p:cSld>
